--- a/app/static/image/data structure.pptx
+++ b/app/static/image/data structure.pptx
@@ -106,6 +106,11 @@
       </a:defRPr>
     </a:lvl9pPr>
   </p:defaultTextStyle>
+  <p:extLst>
+    <p:ext uri="{EFAFB233-063F-42B5-8137-9DF3F51BA10A}">
+      <p15:sldGuideLst xmlns:p15="http://schemas.microsoft.com/office/powerpoint/2012/main"/>
+    </p:ext>
+  </p:extLst>
 </p:presentation>
 </file>
 
@@ -7313,8 +7318,25 @@
                   </a:schemeClr>
                 </a:solidFill>
               </a:rPr>
-              <a:t>ACTIVITY_TYPE</a:t>
-            </a:r>
+              <a:t>ACTIVITY_</a:t>
+            </a:r>
+            <a:r>
+              <a:rPr lang="en-US" altLang="zh-CN" sz="1400" b="1" dirty="0">
+                <a:solidFill>
+                  <a:schemeClr val="accent6">
+                    <a:lumMod val="75000"/>
+                  </a:schemeClr>
+                </a:solidFill>
+              </a:rPr>
+              <a:t>RULES</a:t>
+            </a:r>
+            <a:endParaRPr lang="en-US" sz="1400" b="1" dirty="0">
+              <a:solidFill>
+                <a:schemeClr val="accent6">
+                  <a:lumMod val="75000"/>
+                </a:schemeClr>
+              </a:solidFill>
+            </a:endParaRPr>
           </a:p>
         </p:txBody>
       </p:sp>
